--- a/case_study_template_2_16_9_de.pptx
+++ b/case_study_template_2_16_9_de.pptx
@@ -127,7 +127,7 @@
 <file path=ppt/revisionInfo.xml><?xml version="1.0" encoding="utf-8"?>
 <p1510:revInfo xmlns:a="http://schemas.openxmlformats.org/drawingml/2006/main" xmlns:r="http://schemas.openxmlformats.org/officeDocument/2006/relationships" xmlns:p1510="http://schemas.microsoft.com/office/powerpoint/2015/10/main">
   <p1510:revLst>
-    <p1510:client id="{CEDD6EA2-EECD-493A-A37C-E0006BFF8DD1}" v="4" dt="2024-09-03T13:33:54.963"/>
+    <p1510:client id="{084EB433-4E08-4533-939C-B516DB27A75A}" v="4" dt="2024-09-06T08:56:23.957"/>
   </p1510:revLst>
 </p1510:revInfo>
 </file>
@@ -317,23 +317,39 @@
   </pc:docChgLst>
   <pc:docChgLst>
     <pc:chgData name="vonWaldow, Ulrich" userId="c64b3fe1-2fbf-4408-adc4-30add62e991f" providerId="ADAL" clId="{084EB433-4E08-4533-939C-B516DB27A75A}"/>
-    <pc:docChg chg="undo addSld delSld modSld modMainMaster">
-      <pc:chgData name="vonWaldow, Ulrich" userId="c64b3fe1-2fbf-4408-adc4-30add62e991f" providerId="ADAL" clId="{084EB433-4E08-4533-939C-B516DB27A75A}" dt="2024-09-04T08:40:36.912" v="10" actId="47"/>
+    <pc:docChg chg="undo custSel addSld delSld modSld modMainMaster">
+      <pc:chgData name="vonWaldow, Ulrich" userId="c64b3fe1-2fbf-4408-adc4-30add62e991f" providerId="ADAL" clId="{084EB433-4E08-4533-939C-B516DB27A75A}" dt="2024-09-06T08:56:28.900" v="58" actId="20577"/>
       <pc:docMkLst>
         <pc:docMk/>
       </pc:docMkLst>
       <pc:sldChg chg="modSp mod">
-        <pc:chgData name="vonWaldow, Ulrich" userId="c64b3fe1-2fbf-4408-adc4-30add62e991f" providerId="ADAL" clId="{084EB433-4E08-4533-939C-B516DB27A75A}" dt="2024-09-03T13:52:31.279" v="8" actId="20577"/>
+        <pc:chgData name="vonWaldow, Ulrich" userId="c64b3fe1-2fbf-4408-adc4-30add62e991f" providerId="ADAL" clId="{084EB433-4E08-4533-939C-B516DB27A75A}" dt="2024-09-06T08:56:28.900" v="58" actId="20577"/>
         <pc:sldMkLst>
           <pc:docMk/>
           <pc:sldMk cId="2116952522" sldId="260"/>
         </pc:sldMkLst>
         <pc:spChg chg="mod">
-          <ac:chgData name="vonWaldow, Ulrich" userId="c64b3fe1-2fbf-4408-adc4-30add62e991f" providerId="ADAL" clId="{084EB433-4E08-4533-939C-B516DB27A75A}" dt="2024-09-03T13:52:31.279" v="8" actId="20577"/>
+          <ac:chgData name="vonWaldow, Ulrich" userId="c64b3fe1-2fbf-4408-adc4-30add62e991f" providerId="ADAL" clId="{084EB433-4E08-4533-939C-B516DB27A75A}" dt="2024-09-06T08:55:40.029" v="52" actId="20577"/>
+          <ac:spMkLst>
+            <pc:docMk/>
+            <pc:sldMk cId="2116952522" sldId="260"/>
+            <ac:spMk id="3" creationId="{5657A0C4-C8B8-C20A-40F4-198DBEFDF301}"/>
+          </ac:spMkLst>
+        </pc:spChg>
+        <pc:spChg chg="mod">
+          <ac:chgData name="vonWaldow, Ulrich" userId="c64b3fe1-2fbf-4408-adc4-30add62e991f" providerId="ADAL" clId="{084EB433-4E08-4533-939C-B516DB27A75A}" dt="2024-09-06T08:55:35.133" v="35" actId="20577"/>
           <ac:spMkLst>
             <pc:docMk/>
             <pc:sldMk cId="2116952522" sldId="260"/>
             <ac:spMk id="4" creationId="{C4B8857D-D18B-D3A8-4063-0B60FC536EA4}"/>
+          </ac:spMkLst>
+        </pc:spChg>
+        <pc:spChg chg="mod">
+          <ac:chgData name="vonWaldow, Ulrich" userId="c64b3fe1-2fbf-4408-adc4-30add62e991f" providerId="ADAL" clId="{084EB433-4E08-4533-939C-B516DB27A75A}" dt="2024-09-06T08:56:28.900" v="58" actId="20577"/>
+          <ac:spMkLst>
+            <pc:docMk/>
+            <pc:sldMk cId="2116952522" sldId="260"/>
+            <ac:spMk id="6" creationId="{1CE36457-C1FA-C38E-001A-01F11268510F}"/>
           </ac:spMkLst>
         </pc:spChg>
       </pc:sldChg>
@@ -345,13 +361,13 @@
         </pc:sldMkLst>
       </pc:sldChg>
       <pc:sldMasterChg chg="delSldLayout modSldLayout">
-        <pc:chgData name="vonWaldow, Ulrich" userId="c64b3fe1-2fbf-4408-adc4-30add62e991f" providerId="ADAL" clId="{084EB433-4E08-4533-939C-B516DB27A75A}" dt="2024-09-03T13:46:59.899" v="6"/>
+        <pc:chgData name="vonWaldow, Ulrich" userId="c64b3fe1-2fbf-4408-adc4-30add62e991f" providerId="ADAL" clId="{084EB433-4E08-4533-939C-B516DB27A75A}" dt="2024-09-06T08:56:23.957" v="56" actId="404"/>
         <pc:sldMasterMkLst>
           <pc:docMk/>
           <pc:sldMasterMk cId="3620642421" sldId="2147483927"/>
         </pc:sldMasterMkLst>
         <pc:sldLayoutChg chg="modSp mod">
-          <pc:chgData name="vonWaldow, Ulrich" userId="c64b3fe1-2fbf-4408-adc4-30add62e991f" providerId="ADAL" clId="{084EB433-4E08-4533-939C-B516DB27A75A}" dt="2024-09-03T13:46:59.899" v="6"/>
+          <pc:chgData name="vonWaldow, Ulrich" userId="c64b3fe1-2fbf-4408-adc4-30add62e991f" providerId="ADAL" clId="{084EB433-4E08-4533-939C-B516DB27A75A}" dt="2024-09-06T08:56:23.957" v="56" actId="404"/>
           <pc:sldLayoutMkLst>
             <pc:docMk/>
             <pc:sldMasterMk cId="3620642421" sldId="2147483927"/>
@@ -364,6 +380,42 @@
               <pc:sldMasterMk cId="3620642421" sldId="2147483927"/>
               <pc:sldLayoutMk cId="960772129" sldId="2147483958"/>
               <ac:spMk id="3" creationId="{95E970B6-3998-A5AF-6789-D415965D6A89}"/>
+            </ac:spMkLst>
+          </pc:spChg>
+          <pc:spChg chg="mod">
+            <ac:chgData name="vonWaldow, Ulrich" userId="c64b3fe1-2fbf-4408-adc4-30add62e991f" providerId="ADAL" clId="{084EB433-4E08-4533-939C-B516DB27A75A}" dt="2024-09-06T08:56:16.733" v="53" actId="404"/>
+            <ac:spMkLst>
+              <pc:docMk/>
+              <pc:sldMasterMk cId="3620642421" sldId="2147483927"/>
+              <pc:sldLayoutMk cId="960772129" sldId="2147483958"/>
+              <ac:spMk id="20" creationId="{CCC1D9B0-3E3B-6A81-82B1-B48232D64945}"/>
+            </ac:spMkLst>
+          </pc:spChg>
+          <pc:spChg chg="mod">
+            <ac:chgData name="vonWaldow, Ulrich" userId="c64b3fe1-2fbf-4408-adc4-30add62e991f" providerId="ADAL" clId="{084EB433-4E08-4533-939C-B516DB27A75A}" dt="2024-09-06T08:56:18.877" v="54" actId="404"/>
+            <ac:spMkLst>
+              <pc:docMk/>
+              <pc:sldMasterMk cId="3620642421" sldId="2147483927"/>
+              <pc:sldLayoutMk cId="960772129" sldId="2147483958"/>
+              <ac:spMk id="23" creationId="{CA377B26-3BA2-4654-6FCA-6098BB9E0117}"/>
+            </ac:spMkLst>
+          </pc:spChg>
+          <pc:spChg chg="mod">
+            <ac:chgData name="vonWaldow, Ulrich" userId="c64b3fe1-2fbf-4408-adc4-30add62e991f" providerId="ADAL" clId="{084EB433-4E08-4533-939C-B516DB27A75A}" dt="2024-09-06T08:56:21.569" v="55" actId="404"/>
+            <ac:spMkLst>
+              <pc:docMk/>
+              <pc:sldMasterMk cId="3620642421" sldId="2147483927"/>
+              <pc:sldLayoutMk cId="960772129" sldId="2147483958"/>
+              <ac:spMk id="25" creationId="{0D6A690C-8E97-EFC0-430C-4028B1A71B84}"/>
+            </ac:spMkLst>
+          </pc:spChg>
+          <pc:spChg chg="mod">
+            <ac:chgData name="vonWaldow, Ulrich" userId="c64b3fe1-2fbf-4408-adc4-30add62e991f" providerId="ADAL" clId="{084EB433-4E08-4533-939C-B516DB27A75A}" dt="2024-09-06T08:56:23.957" v="56" actId="404"/>
+            <ac:spMkLst>
+              <pc:docMk/>
+              <pc:sldMasterMk cId="3620642421" sldId="2147483927"/>
+              <pc:sldLayoutMk cId="960772129" sldId="2147483958"/>
+              <ac:spMk id="31" creationId="{28C3A46C-1471-B32F-D881-A63D1A5126CC}"/>
             </ac:spMkLst>
           </pc:spChg>
           <pc:spChg chg="mod">
@@ -501,7 +553,7 @@
           <a:p>
             <a:fld id="{8CADF67D-6B33-4511-8215-1BAA75E9A259}" type="datetimeFigureOut">
               <a:rPr lang="de-DE" smtClean="0"/>
-              <a:t>04.09.2024</a:t>
+              <a:t>06.09.2024</a:t>
             </a:fld>
             <a:endParaRPr lang="de-DE"/>
           </a:p>
@@ -678,7 +730,7 @@
           <a:p>
             <a:fld id="{29BB4B0D-3BE5-4B36-92D1-1D1058870271}" type="datetimeFigureOut">
               <a:rPr lang="de-DE" smtClean="0"/>
-              <a:t>04.09.2024</a:t>
+              <a:t>06.09.2024</a:t>
             </a:fld>
             <a:endParaRPr lang="de-DE"/>
           </a:p>
@@ -2325,7 +2377,7 @@
               </a:spcBef>
               <a:buFont typeface="Arial" panose="020B0604020202020204" pitchFamily="34" charset="0"/>
               <a:buNone/>
-              <a:defRPr sz="1600">
+              <a:defRPr sz="1400">
                 <a:solidFill>
                   <a:schemeClr val="bg1"/>
                 </a:solidFill>
@@ -2452,7 +2504,7 @@
           <a:lstStyle>
             <a:lvl1pPr marL="0" indent="0">
               <a:buNone/>
-              <a:defRPr lang="de-DE" sz="1600" dirty="0" smtClean="0">
+              <a:defRPr lang="de-DE" sz="1400" dirty="0" smtClean="0">
                 <a:solidFill>
                   <a:schemeClr val="bg1"/>
                 </a:solidFill>
@@ -2556,7 +2608,7 @@
           <a:lstStyle>
             <a:lvl1pPr marL="0" indent="0">
               <a:buNone/>
-              <a:defRPr lang="de-DE" sz="1600" dirty="0" smtClean="0">
+              <a:defRPr lang="de-DE" sz="1400" dirty="0" smtClean="0">
                 <a:solidFill>
                   <a:schemeClr val="bg1"/>
                 </a:solidFill>
@@ -2660,7 +2712,7 @@
           <a:lstStyle>
             <a:lvl1pPr marL="0" indent="0">
               <a:buNone/>
-              <a:defRPr lang="de-DE" sz="1600" dirty="0" smtClean="0">
+              <a:defRPr lang="de-DE" sz="1400" dirty="0" smtClean="0">
                 <a:solidFill>
                   <a:schemeClr val="bg1"/>
                 </a:solidFill>
@@ -4184,10 +4236,9 @@
           <a:lstStyle/>
           <a:p>
             <a:r>
-              <a:rPr lang="en-US" dirty="0" err="1"/>
-              <a:t>Lösungskonzept</a:t>
+              <a:rPr lang="en-US" dirty="0"/>
+              <a:t>Solution concept</a:t>
             </a:r>
-            <a:endParaRPr lang="en-US" dirty="0"/>
           </a:p>
         </p:txBody>
       </p:sp>
@@ -4218,10 +4269,9 @@
           <a:lstStyle/>
           <a:p>
             <a:r>
-              <a:rPr lang="en-US"/>
-              <a:t>Ausgangssituation</a:t>
+              <a:rPr lang="en-US" dirty="0"/>
+              <a:t>Initial situation</a:t>
             </a:r>
-            <a:endParaRPr lang="en-US" dirty="0"/>
           </a:p>
         </p:txBody>
       </p:sp>
@@ -4285,9 +4335,10 @@
           <a:lstStyle/>
           <a:p>
             <a:r>
-              <a:rPr lang="en-US" dirty="0"/>
-              <a:t>Branche</a:t>
+              <a:rPr lang="en-US"/>
+              <a:t>Industry</a:t>
             </a:r>
+            <a:endParaRPr lang="en-US" dirty="0"/>
           </a:p>
         </p:txBody>
       </p:sp>
@@ -5659,12 +5710,36 @@
 </file>
 
 <file path=customXml/item1.xml><?xml version="1.0" encoding="utf-8"?>
-<?mso-contentType ?>
-<FormTemplates xmlns="http://schemas.microsoft.com/sharepoint/v3/contenttype/forms">
-  <Display>DocumentLibraryForm</Display>
-  <Edit>DocumentLibraryForm</Edit>
-  <New>DocumentLibraryForm</New>
-</FormTemplates>
+<p:properties xmlns:p="http://schemas.microsoft.com/office/2006/metadata/properties" xmlns:xsi="http://www.w3.org/2001/XMLSchema-instance" xmlns:pc="http://schemas.microsoft.com/office/infopath/2007/PartnerControls">
+  <documentManagement>
+    <SharedWithUsers xmlns="3fb8dc1b-9d59-4105-bc07-f1f968f5154f">
+      <UserInfo>
+        <DisplayName>Budelmann, Enno</DisplayName>
+        <AccountId>12</AccountId>
+        <AccountType/>
+      </UserInfo>
+      <UserInfo>
+        <DisplayName>SharingLinks.3068ac1d-a568-467f-a8c0-63ecd7162cbd.OrganizationEdit.ce5b78f9-ebba-4333-b65e-3f12b5be2b22</DisplayName>
+        <AccountId>40</AccountId>
+        <AccountType/>
+      </UserInfo>
+      <UserInfo>
+        <DisplayName>Junker, Sebastian</DisplayName>
+        <AccountId>15</AccountId>
+        <AccountType/>
+      </UserInfo>
+      <UserInfo>
+        <DisplayName>Bunk, Justus</DisplayName>
+        <AccountId>201</AccountId>
+        <AccountType/>
+      </UserInfo>
+    </SharedWithUsers>
+    <lcf76f155ced4ddcb4097134ff3c332f xmlns="5b6c06b5-1db8-4c81-aedd-b1bde2b8bfd2">
+      <Terms xmlns="http://schemas.microsoft.com/office/infopath/2007/PartnerControls"/>
+    </lcf76f155ced4ddcb4097134ff3c332f>
+    <TaxCatchAll xmlns="3fb8dc1b-9d59-4105-bc07-f1f968f5154f" xsi:nil="true"/>
+  </documentManagement>
+</p:properties>
 </file>
 
 <file path=customXml/item2.xml><?xml version="1.0" encoding="utf-8"?>
@@ -5923,42 +5998,27 @@
 </file>
 
 <file path=customXml/item3.xml><?xml version="1.0" encoding="utf-8"?>
-<p:properties xmlns:p="http://schemas.microsoft.com/office/2006/metadata/properties" xmlns:xsi="http://www.w3.org/2001/XMLSchema-instance" xmlns:pc="http://schemas.microsoft.com/office/infopath/2007/PartnerControls">
-  <documentManagement>
-    <SharedWithUsers xmlns="3fb8dc1b-9d59-4105-bc07-f1f968f5154f">
-      <UserInfo>
-        <DisplayName>Budelmann, Enno</DisplayName>
-        <AccountId>12</AccountId>
-        <AccountType/>
-      </UserInfo>
-      <UserInfo>
-        <DisplayName>SharingLinks.3068ac1d-a568-467f-a8c0-63ecd7162cbd.OrganizationEdit.ce5b78f9-ebba-4333-b65e-3f12b5be2b22</DisplayName>
-        <AccountId>40</AccountId>
-        <AccountType/>
-      </UserInfo>
-      <UserInfo>
-        <DisplayName>Junker, Sebastian</DisplayName>
-        <AccountId>15</AccountId>
-        <AccountType/>
-      </UserInfo>
-      <UserInfo>
-        <DisplayName>Bunk, Justus</DisplayName>
-        <AccountId>201</AccountId>
-        <AccountType/>
-      </UserInfo>
-    </SharedWithUsers>
-    <lcf76f155ced4ddcb4097134ff3c332f xmlns="5b6c06b5-1db8-4c81-aedd-b1bde2b8bfd2">
-      <Terms xmlns="http://schemas.microsoft.com/office/infopath/2007/PartnerControls"/>
-    </lcf76f155ced4ddcb4097134ff3c332f>
-    <TaxCatchAll xmlns="3fb8dc1b-9d59-4105-bc07-f1f968f5154f" xsi:nil="true"/>
-  </documentManagement>
-</p:properties>
+<?mso-contentType ?>
+<FormTemplates xmlns="http://schemas.microsoft.com/sharepoint/v3/contenttype/forms">
+  <Display>DocumentLibraryForm</Display>
+  <Edit>DocumentLibraryForm</Edit>
+  <New>DocumentLibraryForm</New>
+</FormTemplates>
 </file>
 
 <file path=customXml/itemProps1.xml><?xml version="1.0" encoding="utf-8"?>
-<ds:datastoreItem xmlns:ds="http://schemas.openxmlformats.org/officeDocument/2006/customXml" ds:itemID="{A76FA841-F04D-4D27-A487-F98BD028EA91}">
+<ds:datastoreItem xmlns:ds="http://schemas.openxmlformats.org/officeDocument/2006/customXml" ds:itemID="{3834EEC2-295B-443A-8029-DF87F749AE1B}">
   <ds:schemaRefs>
-    <ds:schemaRef ds:uri="http://schemas.microsoft.com/sharepoint/v3/contenttype/forms"/>
+    <ds:schemaRef ds:uri="3fb8dc1b-9d59-4105-bc07-f1f968f5154f"/>
+    <ds:schemaRef ds:uri="5b6c06b5-1db8-4c81-aedd-b1bde2b8bfd2"/>
+    <ds:schemaRef ds:uri="http://purl.org/dc/dcmitype/"/>
+    <ds:schemaRef ds:uri="http://purl.org/dc/elements/1.1/"/>
+    <ds:schemaRef ds:uri="http://purl.org/dc/terms/"/>
+    <ds:schemaRef ds:uri="http://schemas.microsoft.com/office/2006/documentManagement/types"/>
+    <ds:schemaRef ds:uri="http://schemas.microsoft.com/office/2006/metadata/properties"/>
+    <ds:schemaRef ds:uri="http://schemas.microsoft.com/office/infopath/2007/PartnerControls"/>
+    <ds:schemaRef ds:uri="http://schemas.openxmlformats.org/package/2006/metadata/core-properties"/>
+    <ds:schemaRef ds:uri="http://www.w3.org/XML/1998/namespace"/>
   </ds:schemaRefs>
 </ds:datastoreItem>
 </file>
@@ -5983,18 +6043,9 @@
 </file>
 
 <file path=customXml/itemProps3.xml><?xml version="1.0" encoding="utf-8"?>
-<ds:datastoreItem xmlns:ds="http://schemas.openxmlformats.org/officeDocument/2006/customXml" ds:itemID="{3834EEC2-295B-443A-8029-DF87F749AE1B}">
+<ds:datastoreItem xmlns:ds="http://schemas.openxmlformats.org/officeDocument/2006/customXml" ds:itemID="{A76FA841-F04D-4D27-A487-F98BD028EA91}">
   <ds:schemaRefs>
-    <ds:schemaRef ds:uri="3fb8dc1b-9d59-4105-bc07-f1f968f5154f"/>
-    <ds:schemaRef ds:uri="5b6c06b5-1db8-4c81-aedd-b1bde2b8bfd2"/>
-    <ds:schemaRef ds:uri="http://purl.org/dc/dcmitype/"/>
-    <ds:schemaRef ds:uri="http://purl.org/dc/elements/1.1/"/>
-    <ds:schemaRef ds:uri="http://purl.org/dc/terms/"/>
-    <ds:schemaRef ds:uri="http://schemas.microsoft.com/office/2006/documentManagement/types"/>
-    <ds:schemaRef ds:uri="http://schemas.microsoft.com/office/2006/metadata/properties"/>
-    <ds:schemaRef ds:uri="http://schemas.microsoft.com/office/infopath/2007/PartnerControls"/>
-    <ds:schemaRef ds:uri="http://schemas.openxmlformats.org/package/2006/metadata/core-properties"/>
-    <ds:schemaRef ds:uri="http://www.w3.org/XML/1998/namespace"/>
+    <ds:schemaRef ds:uri="http://schemas.microsoft.com/sharepoint/v3/contenttype/forms"/>
   </ds:schemaRefs>
 </ds:datastoreItem>
 </file>
--- a/case_study_template_2_16_9_de.pptx
+++ b/case_study_template_2_16_9_de.pptx
@@ -318,12 +318,12 @@
   <pc:docChgLst>
     <pc:chgData name="vonWaldow, Ulrich" userId="c64b3fe1-2fbf-4408-adc4-30add62e991f" providerId="ADAL" clId="{084EB433-4E08-4533-939C-B516DB27A75A}"/>
     <pc:docChg chg="undo custSel addSld delSld modSld modMainMaster">
-      <pc:chgData name="vonWaldow, Ulrich" userId="c64b3fe1-2fbf-4408-adc4-30add62e991f" providerId="ADAL" clId="{084EB433-4E08-4533-939C-B516DB27A75A}" dt="2024-09-06T08:56:28.900" v="58" actId="20577"/>
+      <pc:chgData name="vonWaldow, Ulrich" userId="c64b3fe1-2fbf-4408-adc4-30add62e991f" providerId="ADAL" clId="{084EB433-4E08-4533-939C-B516DB27A75A}" dt="2024-09-09T12:31:10.291" v="60" actId="20577"/>
       <pc:docMkLst>
         <pc:docMk/>
       </pc:docMkLst>
       <pc:sldChg chg="modSp mod">
-        <pc:chgData name="vonWaldow, Ulrich" userId="c64b3fe1-2fbf-4408-adc4-30add62e991f" providerId="ADAL" clId="{084EB433-4E08-4533-939C-B516DB27A75A}" dt="2024-09-06T08:56:28.900" v="58" actId="20577"/>
+        <pc:chgData name="vonWaldow, Ulrich" userId="c64b3fe1-2fbf-4408-adc4-30add62e991f" providerId="ADAL" clId="{084EB433-4E08-4533-939C-B516DB27A75A}" dt="2024-09-09T12:31:10.291" v="60" actId="20577"/>
         <pc:sldMkLst>
           <pc:docMk/>
           <pc:sldMk cId="2116952522" sldId="260"/>
@@ -345,7 +345,7 @@
           </ac:spMkLst>
         </pc:spChg>
         <pc:spChg chg="mod">
-          <ac:chgData name="vonWaldow, Ulrich" userId="c64b3fe1-2fbf-4408-adc4-30add62e991f" providerId="ADAL" clId="{084EB433-4E08-4533-939C-B516DB27A75A}" dt="2024-09-06T08:56:28.900" v="58" actId="20577"/>
+          <ac:chgData name="vonWaldow, Ulrich" userId="c64b3fe1-2fbf-4408-adc4-30add62e991f" providerId="ADAL" clId="{084EB433-4E08-4533-939C-B516DB27A75A}" dt="2024-09-09T12:31:10.291" v="60" actId="20577"/>
           <ac:spMkLst>
             <pc:docMk/>
             <pc:sldMk cId="2116952522" sldId="260"/>
@@ -553,7 +553,7 @@
           <a:p>
             <a:fld id="{8CADF67D-6B33-4511-8215-1BAA75E9A259}" type="datetimeFigureOut">
               <a:rPr lang="de-DE" smtClean="0"/>
-              <a:t>06.09.2024</a:t>
+              <a:t>09.09.2024</a:t>
             </a:fld>
             <a:endParaRPr lang="de-DE"/>
           </a:p>
@@ -730,7 +730,7 @@
           <a:p>
             <a:fld id="{29BB4B0D-3BE5-4B36-92D1-1D1058870271}" type="datetimeFigureOut">
               <a:rPr lang="de-DE" smtClean="0"/>
-              <a:t>06.09.2024</a:t>
+              <a:t>09.09.2024</a:t>
             </a:fld>
             <a:endParaRPr lang="de-DE"/>
           </a:p>
@@ -4336,9 +4336,8 @@
           <a:p>
             <a:r>
               <a:rPr lang="en-US"/>
-              <a:t>Industry</a:t>
+              <a:t>Industry | Company description</a:t>
             </a:r>
-            <a:endParaRPr lang="en-US" dirty="0"/>
           </a:p>
         </p:txBody>
       </p:sp>
@@ -5710,36 +5709,12 @@
 </file>
 
 <file path=customXml/item1.xml><?xml version="1.0" encoding="utf-8"?>
-<p:properties xmlns:p="http://schemas.microsoft.com/office/2006/metadata/properties" xmlns:xsi="http://www.w3.org/2001/XMLSchema-instance" xmlns:pc="http://schemas.microsoft.com/office/infopath/2007/PartnerControls">
-  <documentManagement>
-    <SharedWithUsers xmlns="3fb8dc1b-9d59-4105-bc07-f1f968f5154f">
-      <UserInfo>
-        <DisplayName>Budelmann, Enno</DisplayName>
-        <AccountId>12</AccountId>
-        <AccountType/>
-      </UserInfo>
-      <UserInfo>
-        <DisplayName>SharingLinks.3068ac1d-a568-467f-a8c0-63ecd7162cbd.OrganizationEdit.ce5b78f9-ebba-4333-b65e-3f12b5be2b22</DisplayName>
-        <AccountId>40</AccountId>
-        <AccountType/>
-      </UserInfo>
-      <UserInfo>
-        <DisplayName>Junker, Sebastian</DisplayName>
-        <AccountId>15</AccountId>
-        <AccountType/>
-      </UserInfo>
-      <UserInfo>
-        <DisplayName>Bunk, Justus</DisplayName>
-        <AccountId>201</AccountId>
-        <AccountType/>
-      </UserInfo>
-    </SharedWithUsers>
-    <lcf76f155ced4ddcb4097134ff3c332f xmlns="5b6c06b5-1db8-4c81-aedd-b1bde2b8bfd2">
-      <Terms xmlns="http://schemas.microsoft.com/office/infopath/2007/PartnerControls"/>
-    </lcf76f155ced4ddcb4097134ff3c332f>
-    <TaxCatchAll xmlns="3fb8dc1b-9d59-4105-bc07-f1f968f5154f" xsi:nil="true"/>
-  </documentManagement>
-</p:properties>
+<?mso-contentType ?>
+<FormTemplates xmlns="http://schemas.microsoft.com/sharepoint/v3/contenttype/forms">
+  <Display>DocumentLibraryForm</Display>
+  <Edit>DocumentLibraryForm</Edit>
+  <New>DocumentLibraryForm</New>
+</FormTemplates>
 </file>
 
 <file path=customXml/item2.xml><?xml version="1.0" encoding="utf-8"?>
@@ -5998,27 +5973,42 @@
 </file>
 
 <file path=customXml/item3.xml><?xml version="1.0" encoding="utf-8"?>
-<?mso-contentType ?>
-<FormTemplates xmlns="http://schemas.microsoft.com/sharepoint/v3/contenttype/forms">
-  <Display>DocumentLibraryForm</Display>
-  <Edit>DocumentLibraryForm</Edit>
-  <New>DocumentLibraryForm</New>
-</FormTemplates>
+<p:properties xmlns:p="http://schemas.microsoft.com/office/2006/metadata/properties" xmlns:xsi="http://www.w3.org/2001/XMLSchema-instance" xmlns:pc="http://schemas.microsoft.com/office/infopath/2007/PartnerControls">
+  <documentManagement>
+    <SharedWithUsers xmlns="3fb8dc1b-9d59-4105-bc07-f1f968f5154f">
+      <UserInfo>
+        <DisplayName>Budelmann, Enno</DisplayName>
+        <AccountId>12</AccountId>
+        <AccountType/>
+      </UserInfo>
+      <UserInfo>
+        <DisplayName>SharingLinks.3068ac1d-a568-467f-a8c0-63ecd7162cbd.OrganizationEdit.ce5b78f9-ebba-4333-b65e-3f12b5be2b22</DisplayName>
+        <AccountId>40</AccountId>
+        <AccountType/>
+      </UserInfo>
+      <UserInfo>
+        <DisplayName>Junker, Sebastian</DisplayName>
+        <AccountId>15</AccountId>
+        <AccountType/>
+      </UserInfo>
+      <UserInfo>
+        <DisplayName>Bunk, Justus</DisplayName>
+        <AccountId>201</AccountId>
+        <AccountType/>
+      </UserInfo>
+    </SharedWithUsers>
+    <lcf76f155ced4ddcb4097134ff3c332f xmlns="5b6c06b5-1db8-4c81-aedd-b1bde2b8bfd2">
+      <Terms xmlns="http://schemas.microsoft.com/office/infopath/2007/PartnerControls"/>
+    </lcf76f155ced4ddcb4097134ff3c332f>
+    <TaxCatchAll xmlns="3fb8dc1b-9d59-4105-bc07-f1f968f5154f" xsi:nil="true"/>
+  </documentManagement>
+</p:properties>
 </file>
 
 <file path=customXml/itemProps1.xml><?xml version="1.0" encoding="utf-8"?>
-<ds:datastoreItem xmlns:ds="http://schemas.openxmlformats.org/officeDocument/2006/customXml" ds:itemID="{3834EEC2-295B-443A-8029-DF87F749AE1B}">
+<ds:datastoreItem xmlns:ds="http://schemas.openxmlformats.org/officeDocument/2006/customXml" ds:itemID="{A76FA841-F04D-4D27-A487-F98BD028EA91}">
   <ds:schemaRefs>
-    <ds:schemaRef ds:uri="3fb8dc1b-9d59-4105-bc07-f1f968f5154f"/>
-    <ds:schemaRef ds:uri="5b6c06b5-1db8-4c81-aedd-b1bde2b8bfd2"/>
-    <ds:schemaRef ds:uri="http://purl.org/dc/dcmitype/"/>
-    <ds:schemaRef ds:uri="http://purl.org/dc/elements/1.1/"/>
-    <ds:schemaRef ds:uri="http://purl.org/dc/terms/"/>
-    <ds:schemaRef ds:uri="http://schemas.microsoft.com/office/2006/documentManagement/types"/>
-    <ds:schemaRef ds:uri="http://schemas.microsoft.com/office/2006/metadata/properties"/>
-    <ds:schemaRef ds:uri="http://schemas.microsoft.com/office/infopath/2007/PartnerControls"/>
-    <ds:schemaRef ds:uri="http://schemas.openxmlformats.org/package/2006/metadata/core-properties"/>
-    <ds:schemaRef ds:uri="http://www.w3.org/XML/1998/namespace"/>
+    <ds:schemaRef ds:uri="http://schemas.microsoft.com/sharepoint/v3/contenttype/forms"/>
   </ds:schemaRefs>
 </ds:datastoreItem>
 </file>
@@ -6043,9 +6033,18 @@
 </file>
 
 <file path=customXml/itemProps3.xml><?xml version="1.0" encoding="utf-8"?>
-<ds:datastoreItem xmlns:ds="http://schemas.openxmlformats.org/officeDocument/2006/customXml" ds:itemID="{A76FA841-F04D-4D27-A487-F98BD028EA91}">
+<ds:datastoreItem xmlns:ds="http://schemas.openxmlformats.org/officeDocument/2006/customXml" ds:itemID="{3834EEC2-295B-443A-8029-DF87F749AE1B}">
   <ds:schemaRefs>
-    <ds:schemaRef ds:uri="http://schemas.microsoft.com/sharepoint/v3/contenttype/forms"/>
+    <ds:schemaRef ds:uri="3fb8dc1b-9d59-4105-bc07-f1f968f5154f"/>
+    <ds:schemaRef ds:uri="5b6c06b5-1db8-4c81-aedd-b1bde2b8bfd2"/>
+    <ds:schemaRef ds:uri="http://purl.org/dc/dcmitype/"/>
+    <ds:schemaRef ds:uri="http://purl.org/dc/elements/1.1/"/>
+    <ds:schemaRef ds:uri="http://purl.org/dc/terms/"/>
+    <ds:schemaRef ds:uri="http://schemas.microsoft.com/office/2006/documentManagement/types"/>
+    <ds:schemaRef ds:uri="http://schemas.microsoft.com/office/2006/metadata/properties"/>
+    <ds:schemaRef ds:uri="http://schemas.microsoft.com/office/infopath/2007/PartnerControls"/>
+    <ds:schemaRef ds:uri="http://schemas.openxmlformats.org/package/2006/metadata/core-properties"/>
+    <ds:schemaRef ds:uri="http://www.w3.org/XML/1998/namespace"/>
   </ds:schemaRefs>
 </ds:datastoreItem>
 </file>